--- a/Ass_4-Team_Work.pptx
+++ b/Ass_4-Team_Work.pptx
@@ -120,6 +120,14 @@
       </a:defRPr>
     </a:lvl9pPr>
   </p:defaultTextStyle>
+  <p:extLst>
+    <p:ext uri="{EFAFB233-063F-42B5-8137-9DF3F51BA10A}">
+      <p15:sldGuideLst xmlns:p15="http://schemas.microsoft.com/office/powerpoint/2012/main"/>
+    </p:ext>
+    <p:ext uri="{2D200454-40CA-4A62-9FC3-DE9A4176ACB9}">
+      <p15:notesGuideLst xmlns:p15="http://schemas.microsoft.com/office/powerpoint/2012/main"/>
+    </p:ext>
+  </p:extLst>
 </p:presentation>
 </file>
 
@@ -221,7 +229,7 @@
           <a:p>
             <a:fld id="{E262B655-6EDF-4406-A79B-695E0DF82A1D}" type="datetimeFigureOut">
               <a:rPr lang="he-IL" smtClean="0"/>
-              <a:t>ד'/שבט/תשע"ח</a:t>
+              <a:t>ה'/שבט/תשע"ח</a:t>
             </a:fld>
             <a:endParaRPr lang="he-IL"/>
           </a:p>
@@ -398,7 +406,7 @@
           <a:p>
             <a:fld id="{D18A63D5-7FC4-41CA-9D01-1832CDFB1088}" type="datetimeFigureOut">
               <a:rPr lang="he-IL" smtClean="0"/>
-              <a:t>ד'/שבט/תשע"ח</a:t>
+              <a:t>ה'/שבט/תשע"ח</a:t>
             </a:fld>
             <a:endParaRPr lang="he-IL"/>
           </a:p>
@@ -4941,7 +4949,7 @@
           <a:p>
             <a:fld id="{6D84DBEC-8189-45AD-9C5F-51DEBF3B85A5}" type="datetime8">
               <a:rPr lang="he-IL" smtClean="0"/>
-              <a:t>20 ינואר 18</a:t>
+              <a:t>21 ינואר 18</a:t>
             </a:fld>
             <a:endParaRPr lang="he-IL"/>
           </a:p>
@@ -5009,13 +5017,13 @@
   <p:clrMapOvr>
     <a:masterClrMapping/>
   </p:clrMapOvr>
-  <mc:AlternateContent xmlns:mc="http://schemas.openxmlformats.org/markup-compatibility/2006">
-    <mc:Choice xmlns:p14="http://schemas.microsoft.com/office/powerpoint/2010/main" Requires="p14">
+  <mc:AlternateContent xmlns:mc="http://schemas.openxmlformats.org/markup-compatibility/2006" xmlns:p14="http://schemas.microsoft.com/office/powerpoint/2010/main">
+    <mc:Choice Requires="p14">
       <p:transition spd="med" p14:dur="700">
         <p:fade/>
       </p:transition>
     </mc:Choice>
-    <mc:Fallback>
+    <mc:Fallback xmlns="">
       <p:transition spd="med">
         <p:fade/>
       </p:transition>
@@ -5220,7 +5228,7 @@
           <a:p>
             <a:fld id="{4BF203D1-6C6B-47FF-824B-8735701EE5BD}" type="datetime8">
               <a:rPr lang="he-IL" smtClean="0"/>
-              <a:t>20 ינואר 18</a:t>
+              <a:t>21 ינואר 18</a:t>
             </a:fld>
             <a:endParaRPr lang="he-IL"/>
           </a:p>
@@ -5278,13 +5286,13 @@
   <p:clrMapOvr>
     <a:masterClrMapping/>
   </p:clrMapOvr>
-  <mc:AlternateContent xmlns:mc="http://schemas.openxmlformats.org/markup-compatibility/2006">
-    <mc:Choice xmlns:p14="http://schemas.microsoft.com/office/powerpoint/2010/main" Requires="p14">
+  <mc:AlternateContent xmlns:mc="http://schemas.openxmlformats.org/markup-compatibility/2006" xmlns:p14="http://schemas.microsoft.com/office/powerpoint/2010/main">
+    <mc:Choice Requires="p14">
       <p:transition spd="med" p14:dur="700">
         <p:fade/>
       </p:transition>
     </mc:Choice>
-    <mc:Fallback>
+    <mc:Fallback xmlns="">
       <p:transition spd="med">
         <p:fade/>
       </p:transition>
@@ -5428,7 +5436,7 @@
           <a:p>
             <a:fld id="{1BE0C2FE-9C14-4CD8-B5E2-58D7CA176D83}" type="datetime8">
               <a:rPr lang="he-IL" smtClean="0"/>
-              <a:t>20 ינואר 18</a:t>
+              <a:t>21 ינואר 18</a:t>
             </a:fld>
             <a:endParaRPr lang="he-IL"/>
           </a:p>
@@ -5486,13 +5494,13 @@
   <p:clrMapOvr>
     <a:masterClrMapping/>
   </p:clrMapOvr>
-  <mc:AlternateContent xmlns:mc="http://schemas.openxmlformats.org/markup-compatibility/2006">
-    <mc:Choice xmlns:p14="http://schemas.microsoft.com/office/powerpoint/2010/main" Requires="p14">
+  <mc:AlternateContent xmlns:mc="http://schemas.openxmlformats.org/markup-compatibility/2006" xmlns:p14="http://schemas.microsoft.com/office/powerpoint/2010/main">
+    <mc:Choice Requires="p14">
       <p:transition spd="med" p14:dur="700">
         <p:fade/>
       </p:transition>
     </mc:Choice>
-    <mc:Fallback>
+    <mc:Fallback xmlns="">
       <p:transition spd="med">
         <p:fade/>
       </p:transition>
@@ -5703,7 +5711,7 @@
           <a:p>
             <a:fld id="{F371D015-CC1F-4894-8E57-7609B77535F3}" type="datetime8">
               <a:rPr lang="he-IL" smtClean="0"/>
-              <a:t>20 ינואר 18</a:t>
+              <a:t>21 ינואר 18</a:t>
             </a:fld>
             <a:endParaRPr lang="he-IL"/>
           </a:p>
@@ -5999,13 +6007,13 @@
   <p:clrMapOvr>
     <a:masterClrMapping/>
   </p:clrMapOvr>
-  <mc:AlternateContent xmlns:mc="http://schemas.openxmlformats.org/markup-compatibility/2006">
-    <mc:Choice xmlns:p14="http://schemas.microsoft.com/office/powerpoint/2010/main" Requires="p14">
+  <mc:AlternateContent xmlns:mc="http://schemas.openxmlformats.org/markup-compatibility/2006" xmlns:p14="http://schemas.microsoft.com/office/powerpoint/2010/main">
+    <mc:Choice Requires="p14">
       <p:transition spd="med" p14:dur="700">
         <p:fade/>
       </p:transition>
     </mc:Choice>
-    <mc:Fallback>
+    <mc:Fallback xmlns="">
       <p:transition spd="med">
         <p:fade/>
       </p:transition>
@@ -6149,7 +6157,7 @@
           <a:p>
             <a:fld id="{E0F1C6AC-E7DB-44E4-A91E-7D522A7BF92D}" type="datetime8">
               <a:rPr lang="he-IL" smtClean="0"/>
-              <a:t>20 ינואר 18</a:t>
+              <a:t>21 ינואר 18</a:t>
             </a:fld>
             <a:endParaRPr lang="he-IL"/>
           </a:p>
@@ -6207,13 +6215,13 @@
   <p:clrMapOvr>
     <a:masterClrMapping/>
   </p:clrMapOvr>
-  <mc:AlternateContent xmlns:mc="http://schemas.openxmlformats.org/markup-compatibility/2006">
-    <mc:Choice xmlns:p14="http://schemas.microsoft.com/office/powerpoint/2010/main" Requires="p14">
+  <mc:AlternateContent xmlns:mc="http://schemas.openxmlformats.org/markup-compatibility/2006" xmlns:p14="http://schemas.microsoft.com/office/powerpoint/2010/main">
+    <mc:Choice Requires="p14">
       <p:transition spd="med" p14:dur="700">
         <p:fade/>
       </p:transition>
     </mc:Choice>
-    <mc:Fallback>
+    <mc:Fallback xmlns="">
       <p:transition spd="med">
         <p:fade/>
       </p:transition>
@@ -6707,7 +6715,7 @@
           <a:p>
             <a:fld id="{49817A94-5FF3-48CD-A85B-FEF2044163FD}" type="datetime8">
               <a:rPr lang="he-IL" smtClean="0"/>
-              <a:t>20 ינואר 18</a:t>
+              <a:t>21 ינואר 18</a:t>
             </a:fld>
             <a:endParaRPr lang="he-IL"/>
           </a:p>
@@ -6765,13 +6773,13 @@
   <p:clrMapOvr>
     <a:masterClrMapping/>
   </p:clrMapOvr>
-  <mc:AlternateContent xmlns:mc="http://schemas.openxmlformats.org/markup-compatibility/2006">
-    <mc:Choice xmlns:p14="http://schemas.microsoft.com/office/powerpoint/2010/main" Requires="p14">
+  <mc:AlternateContent xmlns:mc="http://schemas.openxmlformats.org/markup-compatibility/2006" xmlns:p14="http://schemas.microsoft.com/office/powerpoint/2010/main">
+    <mc:Choice Requires="p14">
       <p:transition spd="med" p14:dur="700">
         <p:fade/>
       </p:transition>
     </mc:Choice>
-    <mc:Fallback>
+    <mc:Fallback xmlns="">
       <p:transition spd="med">
         <p:fade/>
       </p:transition>
@@ -7439,7 +7447,7 @@
           <a:p>
             <a:fld id="{C98D016A-6917-46CA-A50A-1BBDEDA07904}" type="datetime8">
               <a:rPr lang="he-IL" smtClean="0"/>
-              <a:t>20 ינואר 18</a:t>
+              <a:t>21 ינואר 18</a:t>
             </a:fld>
             <a:endParaRPr lang="he-IL"/>
           </a:p>
@@ -7497,13 +7505,13 @@
   <p:clrMapOvr>
     <a:masterClrMapping/>
   </p:clrMapOvr>
-  <mc:AlternateContent xmlns:mc="http://schemas.openxmlformats.org/markup-compatibility/2006">
-    <mc:Choice xmlns:p14="http://schemas.microsoft.com/office/powerpoint/2010/main" Requires="p14">
+  <mc:AlternateContent xmlns:mc="http://schemas.openxmlformats.org/markup-compatibility/2006" xmlns:p14="http://schemas.microsoft.com/office/powerpoint/2010/main">
+    <mc:Choice Requires="p14">
       <p:transition spd="med" p14:dur="700">
         <p:fade/>
       </p:transition>
     </mc:Choice>
-    <mc:Fallback>
+    <mc:Fallback xmlns="">
       <p:transition spd="med">
         <p:fade/>
       </p:transition>
@@ -7621,7 +7629,7 @@
           <a:p>
             <a:fld id="{D697D14A-184C-462B-8BEE-7D29F9EFD9C1}" type="datetime8">
               <a:rPr lang="he-IL" smtClean="0"/>
-              <a:t>20 ינואר 18</a:t>
+              <a:t>21 ינואר 18</a:t>
             </a:fld>
             <a:endParaRPr lang="he-IL"/>
           </a:p>
@@ -7679,13 +7687,13 @@
   <p:clrMapOvr>
     <a:masterClrMapping/>
   </p:clrMapOvr>
-  <mc:AlternateContent xmlns:mc="http://schemas.openxmlformats.org/markup-compatibility/2006">
-    <mc:Choice xmlns:p14="http://schemas.microsoft.com/office/powerpoint/2010/main" Requires="p14">
+  <mc:AlternateContent xmlns:mc="http://schemas.openxmlformats.org/markup-compatibility/2006" xmlns:p14="http://schemas.microsoft.com/office/powerpoint/2010/main">
+    <mc:Choice Requires="p14">
       <p:transition spd="med" p14:dur="700">
         <p:fade/>
       </p:transition>
     </mc:Choice>
-    <mc:Fallback>
+    <mc:Fallback xmlns="">
       <p:transition spd="med">
         <p:fade/>
       </p:transition>
@@ -7813,7 +7821,7 @@
           <a:p>
             <a:fld id="{6773E046-3BDA-4125-817D-3F73AE3DD593}" type="datetime8">
               <a:rPr lang="he-IL" smtClean="0"/>
-              <a:t>20 ינואר 18</a:t>
+              <a:t>21 ינואר 18</a:t>
             </a:fld>
             <a:endParaRPr lang="he-IL"/>
           </a:p>
@@ -7871,13 +7879,13 @@
   <p:clrMapOvr>
     <a:masterClrMapping/>
   </p:clrMapOvr>
-  <mc:AlternateContent xmlns:mc="http://schemas.openxmlformats.org/markup-compatibility/2006">
-    <mc:Choice xmlns:p14="http://schemas.microsoft.com/office/powerpoint/2010/main" Requires="p14">
+  <mc:AlternateContent xmlns:mc="http://schemas.openxmlformats.org/markup-compatibility/2006" xmlns:p14="http://schemas.microsoft.com/office/powerpoint/2010/main">
+    <mc:Choice Requires="p14">
       <p:transition spd="med" p14:dur="700">
         <p:fade/>
       </p:transition>
     </mc:Choice>
-    <mc:Fallback>
+    <mc:Fallback xmlns="">
       <p:transition spd="med">
         <p:fade/>
       </p:transition>
@@ -7995,7 +8003,7 @@
           <a:p>
             <a:fld id="{9319F516-3D37-4E6C-A5B9-E658C11244D3}" type="datetime8">
               <a:rPr lang="he-IL" smtClean="0"/>
-              <a:t>20 ינואר 18</a:t>
+              <a:t>21 ינואר 18</a:t>
             </a:fld>
             <a:endParaRPr lang="he-IL"/>
           </a:p>
@@ -8053,13 +8061,13 @@
   <p:clrMapOvr>
     <a:masterClrMapping/>
   </p:clrMapOvr>
-  <mc:AlternateContent xmlns:mc="http://schemas.openxmlformats.org/markup-compatibility/2006">
-    <mc:Choice xmlns:p14="http://schemas.microsoft.com/office/powerpoint/2010/main" Requires="p14">
+  <mc:AlternateContent xmlns:mc="http://schemas.openxmlformats.org/markup-compatibility/2006" xmlns:p14="http://schemas.microsoft.com/office/powerpoint/2010/main">
+    <mc:Choice Requires="p14">
       <p:transition spd="med" p14:dur="700">
         <p:fade/>
       </p:transition>
     </mc:Choice>
-    <mc:Fallback>
+    <mc:Fallback xmlns="">
       <p:transition spd="med">
         <p:fade/>
       </p:transition>
@@ -8257,7 +8265,7 @@
           <a:p>
             <a:fld id="{A0CAD39A-F122-4E9B-9882-C9E88CDBC337}" type="datetime8">
               <a:rPr lang="he-IL" smtClean="0"/>
-              <a:t>20 ינואר 18</a:t>
+              <a:t>21 ינואר 18</a:t>
             </a:fld>
             <a:endParaRPr lang="he-IL"/>
           </a:p>
@@ -8315,13 +8323,13 @@
   <p:clrMapOvr>
     <a:masterClrMapping/>
   </p:clrMapOvr>
-  <mc:AlternateContent xmlns:mc="http://schemas.openxmlformats.org/markup-compatibility/2006">
-    <mc:Choice xmlns:p14="http://schemas.microsoft.com/office/powerpoint/2010/main" Requires="p14">
+  <mc:AlternateContent xmlns:mc="http://schemas.openxmlformats.org/markup-compatibility/2006" xmlns:p14="http://schemas.microsoft.com/office/powerpoint/2010/main">
+    <mc:Choice Requires="p14">
       <p:transition spd="med" p14:dur="700">
         <p:fade/>
       </p:transition>
     </mc:Choice>
-    <mc:Fallback>
+    <mc:Fallback xmlns="">
       <p:transition spd="med">
         <p:fade/>
       </p:transition>
@@ -8501,7 +8509,7 @@
           <a:p>
             <a:fld id="{25064113-C159-418A-A4E7-AFB1283A062E}" type="datetime8">
               <a:rPr lang="he-IL" smtClean="0"/>
-              <a:t>20 ינואר 18</a:t>
+              <a:t>21 ינואר 18</a:t>
             </a:fld>
             <a:endParaRPr lang="he-IL"/>
           </a:p>
@@ -8559,13 +8567,13 @@
   <p:clrMapOvr>
     <a:masterClrMapping/>
   </p:clrMapOvr>
-  <mc:AlternateContent xmlns:mc="http://schemas.openxmlformats.org/markup-compatibility/2006">
-    <mc:Choice xmlns:p14="http://schemas.microsoft.com/office/powerpoint/2010/main" Requires="p14">
+  <mc:AlternateContent xmlns:mc="http://schemas.openxmlformats.org/markup-compatibility/2006" xmlns:p14="http://schemas.microsoft.com/office/powerpoint/2010/main">
+    <mc:Choice Requires="p14">
       <p:transition spd="med" p14:dur="700">
         <p:fade/>
       </p:transition>
     </mc:Choice>
-    <mc:Fallback>
+    <mc:Fallback xmlns="">
       <p:transition spd="med">
         <p:fade/>
       </p:transition>
@@ -8894,7 +8902,7 @@
           <a:p>
             <a:fld id="{9A00059A-C471-4BDD-8ED6-3CD5663FA083}" type="datetime8">
               <a:rPr lang="he-IL" smtClean="0"/>
-              <a:t>20 ינואר 18</a:t>
+              <a:t>21 ינואר 18</a:t>
             </a:fld>
             <a:endParaRPr lang="he-IL"/>
           </a:p>
@@ -8952,13 +8960,13 @@
   <p:clrMapOvr>
     <a:masterClrMapping/>
   </p:clrMapOvr>
-  <mc:AlternateContent xmlns:mc="http://schemas.openxmlformats.org/markup-compatibility/2006">
-    <mc:Choice xmlns:p14="http://schemas.microsoft.com/office/powerpoint/2010/main" Requires="p14">
+  <mc:AlternateContent xmlns:mc="http://schemas.openxmlformats.org/markup-compatibility/2006" xmlns:p14="http://schemas.microsoft.com/office/powerpoint/2010/main">
+    <mc:Choice Requires="p14">
       <p:transition spd="med" p14:dur="700">
         <p:fade/>
       </p:transition>
     </mc:Choice>
-    <mc:Fallback>
+    <mc:Fallback xmlns="">
       <p:transition spd="med">
         <p:fade/>
       </p:transition>
@@ -9024,7 +9032,7 @@
           <a:p>
             <a:fld id="{A60BBE1B-A6DC-4FCC-93EC-ECE32AEADA4D}" type="datetime8">
               <a:rPr lang="he-IL" smtClean="0"/>
-              <a:t>20 ינואר 18</a:t>
+              <a:t>21 ינואר 18</a:t>
             </a:fld>
             <a:endParaRPr lang="he-IL"/>
           </a:p>
@@ -9082,13 +9090,13 @@
   <p:clrMapOvr>
     <a:masterClrMapping/>
   </p:clrMapOvr>
-  <mc:AlternateContent xmlns:mc="http://schemas.openxmlformats.org/markup-compatibility/2006">
-    <mc:Choice xmlns:p14="http://schemas.microsoft.com/office/powerpoint/2010/main" Requires="p14">
+  <mc:AlternateContent xmlns:mc="http://schemas.openxmlformats.org/markup-compatibility/2006" xmlns:p14="http://schemas.microsoft.com/office/powerpoint/2010/main">
+    <mc:Choice Requires="p14">
       <p:transition spd="med" p14:dur="700">
         <p:fade/>
       </p:transition>
     </mc:Choice>
-    <mc:Fallback>
+    <mc:Fallback xmlns="">
       <p:transition spd="med">
         <p:fade/>
       </p:transition>
@@ -9131,7 +9139,7 @@
           <a:p>
             <a:fld id="{94B4459B-4FF7-45B3-9D06-04FB1F977DA0}" type="datetime8">
               <a:rPr lang="he-IL" smtClean="0"/>
-              <a:t>20 ינואר 18</a:t>
+              <a:t>21 ינואר 18</a:t>
             </a:fld>
             <a:endParaRPr lang="he-IL"/>
           </a:p>
@@ -9199,13 +9207,13 @@
   <p:clrMapOvr>
     <a:masterClrMapping/>
   </p:clrMapOvr>
-  <mc:AlternateContent xmlns:mc="http://schemas.openxmlformats.org/markup-compatibility/2006">
-    <mc:Choice xmlns:p14="http://schemas.microsoft.com/office/powerpoint/2010/main" Requires="p14">
+  <mc:AlternateContent xmlns:mc="http://schemas.openxmlformats.org/markup-compatibility/2006" xmlns:p14="http://schemas.microsoft.com/office/powerpoint/2010/main">
+    <mc:Choice Requires="p14">
       <p:transition spd="med" p14:dur="700">
         <p:fade/>
       </p:transition>
     </mc:Choice>
-    <mc:Fallback>
+    <mc:Fallback xmlns="">
       <p:transition spd="med">
         <p:fade/>
       </p:transition>
@@ -9402,7 +9410,7 @@
           <a:p>
             <a:fld id="{D6E212D9-A184-495C-A000-31D7A36C3BFC}" type="datetime8">
               <a:rPr lang="he-IL" smtClean="0"/>
-              <a:t>20 ינואר 18</a:t>
+              <a:t>21 ינואר 18</a:t>
             </a:fld>
             <a:endParaRPr lang="he-IL"/>
           </a:p>
@@ -9460,13 +9468,13 @@
   <p:clrMapOvr>
     <a:masterClrMapping/>
   </p:clrMapOvr>
-  <mc:AlternateContent xmlns:mc="http://schemas.openxmlformats.org/markup-compatibility/2006">
-    <mc:Choice xmlns:p14="http://schemas.microsoft.com/office/powerpoint/2010/main" Requires="p14">
+  <mc:AlternateContent xmlns:mc="http://schemas.openxmlformats.org/markup-compatibility/2006" xmlns:p14="http://schemas.microsoft.com/office/powerpoint/2010/main">
+    <mc:Choice Requires="p14">
       <p:transition spd="med" p14:dur="700">
         <p:fade/>
       </p:transition>
     </mc:Choice>
-    <mc:Fallback>
+    <mc:Fallback xmlns="">
       <p:transition spd="med">
         <p:fade/>
       </p:transition>
@@ -9694,7 +9702,7 @@
           <a:p>
             <a:fld id="{EA1A9477-A438-4794-AE8C-D79930774739}" type="datetime8">
               <a:rPr lang="he-IL" smtClean="0"/>
-              <a:t>20 ינואר 18</a:t>
+              <a:t>21 ינואר 18</a:t>
             </a:fld>
             <a:endParaRPr lang="he-IL"/>
           </a:p>
@@ -9752,13 +9760,13 @@
   <p:clrMapOvr>
     <a:masterClrMapping/>
   </p:clrMapOvr>
-  <mc:AlternateContent xmlns:mc="http://schemas.openxmlformats.org/markup-compatibility/2006">
-    <mc:Choice xmlns:p14="http://schemas.microsoft.com/office/powerpoint/2010/main" Requires="p14">
+  <mc:AlternateContent xmlns:mc="http://schemas.openxmlformats.org/markup-compatibility/2006" xmlns:p14="http://schemas.microsoft.com/office/powerpoint/2010/main">
+    <mc:Choice Requires="p14">
       <p:transition spd="med" p14:dur="700">
         <p:fade/>
       </p:transition>
     </mc:Choice>
-    <mc:Fallback>
+    <mc:Fallback xmlns="">
       <p:transition spd="med">
         <p:fade/>
       </p:transition>
@@ -12783,7 +12791,7 @@
           <a:p>
             <a:fld id="{6BF998BF-EFA2-43C9-960A-F76B1B155F2F}" type="datetime8">
               <a:rPr lang="he-IL" smtClean="0"/>
-              <a:t>20 ינואר 18</a:t>
+              <a:t>21 ינואר 18</a:t>
             </a:fld>
             <a:endParaRPr lang="he-IL"/>
           </a:p>
@@ -12894,13 +12902,13 @@
     <p:sldLayoutId id="2147483676" r:id="rId16"/>
     <p:sldLayoutId id="2147483677" r:id="rId17"/>
   </p:sldLayoutIdLst>
-  <mc:AlternateContent xmlns:mc="http://schemas.openxmlformats.org/markup-compatibility/2006">
-    <mc:Choice xmlns:p14="http://schemas.microsoft.com/office/powerpoint/2010/main" Requires="p14">
+  <mc:AlternateContent xmlns:mc="http://schemas.openxmlformats.org/markup-compatibility/2006" xmlns:p14="http://schemas.microsoft.com/office/powerpoint/2010/main">
+    <mc:Choice Requires="p14">
       <p:transition spd="med" p14:dur="700">
         <p:fade/>
       </p:transition>
     </mc:Choice>
-    <mc:Fallback>
+    <mc:Fallback xmlns="">
       <p:transition spd="med">
         <p:fade/>
       </p:transition>
@@ -13402,13 +13410,13 @@
   <p:clrMapOvr>
     <a:masterClrMapping/>
   </p:clrMapOvr>
-  <mc:AlternateContent xmlns:mc="http://schemas.openxmlformats.org/markup-compatibility/2006">
-    <mc:Choice xmlns:p14="http://schemas.microsoft.com/office/powerpoint/2010/main" Requires="p14">
+  <mc:AlternateContent xmlns:mc="http://schemas.openxmlformats.org/markup-compatibility/2006" xmlns:p14="http://schemas.microsoft.com/office/powerpoint/2010/main">
+    <mc:Choice Requires="p14">
       <p:transition spd="med" p14:dur="700">
         <p:fade/>
       </p:transition>
     </mc:Choice>
-    <mc:Fallback>
+    <mc:Fallback xmlns="">
       <p:transition spd="med">
         <p:fade/>
       </p:transition>
@@ -13902,13 +13910,13 @@
   <p:clrMapOvr>
     <a:masterClrMapping/>
   </p:clrMapOvr>
-  <mc:AlternateContent xmlns:mc="http://schemas.openxmlformats.org/markup-compatibility/2006">
-    <mc:Choice xmlns:p14="http://schemas.microsoft.com/office/powerpoint/2010/main" Requires="p14">
+  <mc:AlternateContent xmlns:mc="http://schemas.openxmlformats.org/markup-compatibility/2006" xmlns:p14="http://schemas.microsoft.com/office/powerpoint/2010/main">
+    <mc:Choice Requires="p14">
       <p:transition spd="med" p14:dur="700">
         <p:fade/>
       </p:transition>
     </mc:Choice>
-    <mc:Fallback>
+    <mc:Fallback xmlns="">
       <p:transition spd="med">
         <p:fade/>
       </p:transition>
@@ -14037,7 +14045,7 @@
         </p:nvSpPr>
         <p:spPr>
           <a:xfrm>
-            <a:off x="1008344" y="875634"/>
+            <a:off x="977029" y="2378757"/>
             <a:ext cx="10459233" cy="2309415"/>
           </a:xfrm>
           <a:prstGeom prst="rect">
@@ -14064,80 +14072,6 @@
                 <a:ea typeface="Calibri" panose="020F0502020204030204" pitchFamily="34" charset="0"/>
               </a:rPr>
               <a:t>בתחילת כל מפגש היה נכון שכל חבר צוות יציג את מה שעשה בשבוע שעבר לשאר חברי הצוות. בכך יצרנו מסגרת שכל חברי הקבוצה מעודכנים בהתקדמות הפרויקט, ובנוסף נעזרים ולומדים מהידע של שאר חבריי הפרויקט.</a:t>
-            </a:r>
-          </a:p>
-        </p:txBody>
-      </p:sp>
-      <p:sp>
-        <p:nvSpPr>
-          <p:cNvPr id="4" name="מלבן 3">
-            <a:extLst>
-              <a:ext uri="{FF2B5EF4-FFF2-40B4-BE49-F238E27FC236}">
-                <a16:creationId xmlns:a16="http://schemas.microsoft.com/office/drawing/2014/main" id="{1A693555-3B92-4950-8528-EBA0AC30967F}"/>
-              </a:ext>
-            </a:extLst>
-          </p:cNvPr>
-          <p:cNvSpPr/>
-          <p:nvPr/>
-        </p:nvSpPr>
-        <p:spPr>
-          <a:xfrm>
-            <a:off x="1096027" y="3606468"/>
-            <a:ext cx="10459233" cy="2003625"/>
-          </a:xfrm>
-          <a:prstGeom prst="rect">
-            <a:avLst/>
-          </a:prstGeom>
-          <a:solidFill>
-            <a:schemeClr val="tx2"/>
-          </a:solidFill>
-        </p:spPr>
-        <p:txBody>
-          <a:bodyPr wrap="square">
-            <a:spAutoFit/>
-          </a:bodyPr>
-          <a:lstStyle/>
-          <a:p>
-            <a:pPr lvl="0" algn="ctr" rtl="1">
-              <a:lnSpc>
-                <a:spcPct val="115000"/>
-              </a:lnSpc>
-              <a:spcAft>
-                <a:spcPts val="0"/>
-              </a:spcAft>
-            </a:pPr>
-            <a:r>
-              <a:rPr lang="he-IL" sz="3600" b="1" i="1" u="sng" dirty="0">
-                <a:ln w="12700">
-                  <a:solidFill>
-                    <a:schemeClr val="tx2">
-                      <a:lumMod val="75000"/>
-                    </a:schemeClr>
-                  </a:solidFill>
-                  <a:prstDash val="solid"/>
-                </a:ln>
-                <a:pattFill prst="dkUpDiag">
-                  <a:fgClr>
-                    <a:schemeClr val="tx2"/>
-                  </a:fgClr>
-                  <a:bgClr>
-                    <a:schemeClr val="tx2">
-                      <a:lumMod val="20000"/>
-                      <a:lumOff val="80000"/>
-                    </a:schemeClr>
-                  </a:bgClr>
-                </a:pattFill>
-                <a:effectLst>
-                  <a:outerShdw dist="38100" dir="2640000" algn="bl" rotWithShape="0">
-                    <a:schemeClr val="tx2">
-                      <a:lumMod val="75000"/>
-                    </a:schemeClr>
-                  </a:outerShdw>
-                </a:effectLst>
-                <a:latin typeface="Calibri" panose="020F0502020204030204" pitchFamily="34" charset="0"/>
-                <a:ea typeface="Calibri" panose="020F0502020204030204" pitchFamily="34" charset="0"/>
-              </a:rPr>
-              <a:t>אנו מבקשים להיכשל על מנת להיפגש שוב הסמסטר הבא. אבל את רון להעביר, שנוכל להחליף אותו. אבל בבקשה, רק על 55 לא יותר מזה.</a:t>
             </a:r>
           </a:p>
         </p:txBody>
@@ -14181,13 +14115,13 @@
   <p:clrMapOvr>
     <a:masterClrMapping/>
   </p:clrMapOvr>
-  <mc:AlternateContent xmlns:mc="http://schemas.openxmlformats.org/markup-compatibility/2006">
-    <mc:Choice xmlns:p14="http://schemas.microsoft.com/office/powerpoint/2010/main" Requires="p14">
+  <mc:AlternateContent xmlns:mc="http://schemas.openxmlformats.org/markup-compatibility/2006" xmlns:p14="http://schemas.microsoft.com/office/powerpoint/2010/main">
+    <mc:Choice Requires="p14">
       <p:transition spd="med" p14:dur="700">
         <p:fade/>
       </p:transition>
     </mc:Choice>
-    <mc:Fallback>
+    <mc:Fallback xmlns="">
       <p:transition spd="med">
         <p:fade/>
       </p:transition>
@@ -14457,13 +14391,13 @@
   <p:clrMapOvr>
     <a:masterClrMapping/>
   </p:clrMapOvr>
-  <mc:AlternateContent xmlns:mc="http://schemas.openxmlformats.org/markup-compatibility/2006">
-    <mc:Choice xmlns:p14="http://schemas.microsoft.com/office/powerpoint/2010/main" Requires="p14">
+  <mc:AlternateContent xmlns:mc="http://schemas.openxmlformats.org/markup-compatibility/2006" xmlns:p14="http://schemas.microsoft.com/office/powerpoint/2010/main">
+    <mc:Choice Requires="p14">
       <p:transition spd="med" p14:dur="700">
         <p:fade/>
       </p:transition>
     </mc:Choice>
-    <mc:Fallback>
+    <mc:Fallback xmlns="">
       <p:transition spd="med">
         <p:fade/>
       </p:transition>
@@ -14837,13 +14771,13 @@
   <p:clrMapOvr>
     <a:masterClrMapping/>
   </p:clrMapOvr>
-  <mc:AlternateContent xmlns:mc="http://schemas.openxmlformats.org/markup-compatibility/2006">
-    <mc:Choice xmlns:p14="http://schemas.microsoft.com/office/powerpoint/2010/main" Requires="p14">
+  <mc:AlternateContent xmlns:mc="http://schemas.openxmlformats.org/markup-compatibility/2006" xmlns:p14="http://schemas.microsoft.com/office/powerpoint/2010/main">
+    <mc:Choice Requires="p14">
       <p:transition spd="med" p14:dur="700">
         <p:fade/>
       </p:transition>
     </mc:Choice>
-    <mc:Fallback>
+    <mc:Fallback xmlns="">
       <p:transition spd="med">
         <p:fade/>
       </p:transition>
@@ -15105,13 +15039,13 @@
   <p:clrMapOvr>
     <a:masterClrMapping/>
   </p:clrMapOvr>
-  <mc:AlternateContent xmlns:mc="http://schemas.openxmlformats.org/markup-compatibility/2006">
-    <mc:Choice xmlns:p14="http://schemas.microsoft.com/office/powerpoint/2010/main" Requires="p14">
+  <mc:AlternateContent xmlns:mc="http://schemas.openxmlformats.org/markup-compatibility/2006" xmlns:p14="http://schemas.microsoft.com/office/powerpoint/2010/main">
+    <mc:Choice Requires="p14">
       <p:transition spd="med" p14:dur="700">
         <p:fade/>
       </p:transition>
     </mc:Choice>
-    <mc:Fallback>
+    <mc:Fallback xmlns="">
       <p:transition spd="med">
         <p:fade/>
       </p:transition>
@@ -15470,13 +15404,13 @@
   <p:clrMapOvr>
     <a:masterClrMapping/>
   </p:clrMapOvr>
-  <mc:AlternateContent xmlns:mc="http://schemas.openxmlformats.org/markup-compatibility/2006">
-    <mc:Choice xmlns:p14="http://schemas.microsoft.com/office/powerpoint/2010/main" Requires="p14">
+  <mc:AlternateContent xmlns:mc="http://schemas.openxmlformats.org/markup-compatibility/2006" xmlns:p14="http://schemas.microsoft.com/office/powerpoint/2010/main">
+    <mc:Choice Requires="p14">
       <p:transition spd="med" p14:dur="700">
         <p:fade/>
       </p:transition>
     </mc:Choice>
-    <mc:Fallback>
+    <mc:Fallback xmlns="">
       <p:transition spd="med">
         <p:fade/>
       </p:transition>
@@ -16513,13 +16447,13 @@
   <p:clrMapOvr>
     <a:masterClrMapping/>
   </p:clrMapOvr>
-  <mc:AlternateContent xmlns:mc="http://schemas.openxmlformats.org/markup-compatibility/2006">
-    <mc:Choice xmlns:p14="http://schemas.microsoft.com/office/powerpoint/2010/main" Requires="p14">
+  <mc:AlternateContent xmlns:mc="http://schemas.openxmlformats.org/markup-compatibility/2006" xmlns:p14="http://schemas.microsoft.com/office/powerpoint/2010/main">
+    <mc:Choice Requires="p14">
       <p:transition spd="med" p14:dur="700">
         <p:fade/>
       </p:transition>
     </mc:Choice>
-    <mc:Fallback>
+    <mc:Fallback xmlns="">
       <p:transition spd="med">
         <p:fade/>
       </p:transition>
@@ -16560,7 +16494,7 @@
         <p:spPr>
           <a:xfrm>
             <a:off x="934876" y="1473198"/>
-            <a:ext cx="10741067" cy="1569660"/>
+            <a:ext cx="10741067" cy="2062103"/>
           </a:xfrm>
           <a:prstGeom prst="rect">
             <a:avLst/>
@@ -16591,7 +16525,7 @@
             <a:pPr algn="ctr" rtl="1"/>
             <a:r>
               <a:rPr lang="he-IL" sz="3200" dirty="0"/>
-              <a:t>התנהל לוח זמנים קפדני, ולכן הצלחנו להימנע ירידה באיכות העבודה שלנו כתוצאה מעומס סמסטריאלי, ורוב זמננו הושקע </a:t>
+              <a:t>התנהל לוח זמנים קפדני, ולכן הצלחנו להימנע מירידה באיכות העבודה שלנו כתוצאה מעומס סמסטריאלי, ורוב זמננו הושקע </a:t>
             </a:r>
             <a:r>
               <a:rPr lang="he-IL" sz="3200" dirty="0" err="1"/>
@@ -16738,13 +16672,13 @@
   <p:clrMapOvr>
     <a:masterClrMapping/>
   </p:clrMapOvr>
-  <mc:AlternateContent xmlns:mc="http://schemas.openxmlformats.org/markup-compatibility/2006">
-    <mc:Choice xmlns:p14="http://schemas.microsoft.com/office/powerpoint/2010/main" Requires="p14">
+  <mc:AlternateContent xmlns:mc="http://schemas.openxmlformats.org/markup-compatibility/2006" xmlns:p14="http://schemas.microsoft.com/office/powerpoint/2010/main">
+    <mc:Choice Requires="p14">
       <p:transition spd="med" p14:dur="700">
         <p:fade/>
       </p:transition>
     </mc:Choice>
-    <mc:Fallback>
+    <mc:Fallback xmlns="">
       <p:transition spd="med">
         <p:fade/>
       </p:transition>
@@ -17086,13 +17020,13 @@
   <p:clrMapOvr>
     <a:masterClrMapping/>
   </p:clrMapOvr>
-  <mc:AlternateContent xmlns:mc="http://schemas.openxmlformats.org/markup-compatibility/2006">
-    <mc:Choice xmlns:p14="http://schemas.microsoft.com/office/powerpoint/2010/main" Requires="p14">
+  <mc:AlternateContent xmlns:mc="http://schemas.openxmlformats.org/markup-compatibility/2006" xmlns:p14="http://schemas.microsoft.com/office/powerpoint/2010/main">
+    <mc:Choice Requires="p14">
       <p:transition spd="med" p14:dur="700">
         <p:fade/>
       </p:transition>
     </mc:Choice>
-    <mc:Fallback>
+    <mc:Fallback xmlns="">
       <p:transition spd="med">
         <p:fade/>
       </p:transition>
@@ -17262,7 +17196,7 @@
         </p:nvGraphicFramePr>
         <p:xfrm>
           <a:off x="1384125" y="2489289"/>
-          <a:ext cx="10078988" cy="2255323"/>
+          <a:ext cx="10078988" cy="2275643"/>
         </p:xfrm>
         <a:graphic>
           <a:graphicData uri="http://schemas.openxmlformats.org/drawingml/2006/table">
@@ -17784,13 +17718,13 @@
   <p:clrMapOvr>
     <a:masterClrMapping/>
   </p:clrMapOvr>
-  <mc:AlternateContent xmlns:mc="http://schemas.openxmlformats.org/markup-compatibility/2006">
-    <mc:Choice xmlns:p14="http://schemas.microsoft.com/office/powerpoint/2010/main" Requires="p14">
+  <mc:AlternateContent xmlns:mc="http://schemas.openxmlformats.org/markup-compatibility/2006" xmlns:p14="http://schemas.microsoft.com/office/powerpoint/2010/main">
+    <mc:Choice Requires="p14">
       <p:transition spd="med" p14:dur="700">
         <p:fade/>
       </p:transition>
     </mc:Choice>
-    <mc:Fallback>
+    <mc:Fallback xmlns="">
       <p:transition spd="med">
         <p:fade/>
       </p:transition>
